--- a/江安的七月/Training15 - 字符串.pptx
+++ b/江安的七月/Training15 - 字符串.pptx
@@ -233,7 +233,7 @@
           <a:p>
             <a:fld id="{D2A48B96-639E-45A3-A0BA-2464DFDB1FAA}" type="datetimeFigureOut">
               <a:rPr lang="zh-CN" altLang="en-US" smtClean="0"/>
-              <a:t>2018/8/7</a:t>
+              <a:t>2018/8/8</a:t>
             </a:fld>
             <a:endParaRPr lang="zh-CN" altLang="en-US"/>
           </a:p>
@@ -1429,7 +1429,7 @@
           <a:p>
             <a:fld id="{82F288E0-7875-42C4-84C8-98DBBD3BF4D2}" type="datetimeFigureOut">
               <a:rPr lang="zh-CN" altLang="en-US" smtClean="0"/>
-              <a:t>2018/8/7</a:t>
+              <a:t>2018/8/8</a:t>
             </a:fld>
             <a:endParaRPr lang="zh-CN" altLang="en-US"/>
           </a:p>
@@ -1575,7 +1575,7 @@
           <a:p>
             <a:fld id="{82F288E0-7875-42C4-84C8-98DBBD3BF4D2}" type="datetimeFigureOut">
               <a:rPr lang="zh-CN" altLang="en-US" smtClean="0"/>
-              <a:t>2018/8/7</a:t>
+              <a:t>2018/8/8</a:t>
             </a:fld>
             <a:endParaRPr lang="zh-CN" altLang="en-US"/>
           </a:p>
@@ -1738,7 +1738,7 @@
           <a:p>
             <a:fld id="{82F288E0-7875-42C4-84C8-98DBBD3BF4D2}" type="datetimeFigureOut">
               <a:rPr lang="zh-CN" altLang="en-US" smtClean="0"/>
-              <a:t>2018/8/7</a:t>
+              <a:t>2018/8/8</a:t>
             </a:fld>
             <a:endParaRPr lang="zh-CN" altLang="en-US"/>
           </a:p>
@@ -1978,7 +1978,7 @@
           <a:p>
             <a:fld id="{82F288E0-7875-42C4-84C8-98DBBD3BF4D2}" type="datetimeFigureOut">
               <a:rPr lang="zh-CN" altLang="en-US" smtClean="0"/>
-              <a:t>2018/8/7</a:t>
+              <a:t>2018/8/8</a:t>
             </a:fld>
             <a:endParaRPr lang="zh-CN" altLang="en-US"/>
           </a:p>
@@ -2202,7 +2202,7 @@
           <a:p>
             <a:fld id="{82F288E0-7875-42C4-84C8-98DBBD3BF4D2}" type="datetimeFigureOut">
               <a:rPr lang="zh-CN" altLang="en-US" smtClean="0"/>
-              <a:t>2018/8/7</a:t>
+              <a:t>2018/8/8</a:t>
             </a:fld>
             <a:endParaRPr lang="zh-CN" altLang="en-US"/>
           </a:p>
@@ -2561,7 +2561,7 @@
           <a:p>
             <a:fld id="{82F288E0-7875-42C4-84C8-98DBBD3BF4D2}" type="datetimeFigureOut">
               <a:rPr lang="zh-CN" altLang="en-US" smtClean="0"/>
-              <a:t>2018/8/7</a:t>
+              <a:t>2018/8/8</a:t>
             </a:fld>
             <a:endParaRPr lang="zh-CN" altLang="en-US"/>
           </a:p>
@@ -2673,7 +2673,7 @@
           <a:p>
             <a:fld id="{82F288E0-7875-42C4-84C8-98DBBD3BF4D2}" type="datetimeFigureOut">
               <a:rPr lang="zh-CN" altLang="en-US" smtClean="0"/>
-              <a:t>2018/8/7</a:t>
+              <a:t>2018/8/8</a:t>
             </a:fld>
             <a:endParaRPr lang="zh-CN" altLang="en-US"/>
           </a:p>
@@ -2763,7 +2763,7 @@
           <a:p>
             <a:fld id="{82F288E0-7875-42C4-84C8-98DBBD3BF4D2}" type="datetimeFigureOut">
               <a:rPr lang="zh-CN" altLang="en-US" smtClean="0"/>
-              <a:t>2018/8/7</a:t>
+              <a:t>2018/8/8</a:t>
             </a:fld>
             <a:endParaRPr lang="zh-CN" altLang="en-US"/>
           </a:p>
@@ -3010,7 +3010,7 @@
           <a:p>
             <a:fld id="{82F288E0-7875-42C4-84C8-98DBBD3BF4D2}" type="datetimeFigureOut">
               <a:rPr lang="zh-CN" altLang="en-US" smtClean="0"/>
-              <a:t>2018/8/7</a:t>
+              <a:t>2018/8/8</a:t>
             </a:fld>
             <a:endParaRPr lang="zh-CN" altLang="en-US"/>
           </a:p>
@@ -3183,7 +3183,7 @@
           <a:p>
             <a:fld id="{82F288E0-7875-42C4-84C8-98DBBD3BF4D2}" type="datetimeFigureOut">
               <a:rPr lang="zh-CN" altLang="en-US" smtClean="0"/>
-              <a:t>2018/8/7</a:t>
+              <a:t>2018/8/8</a:t>
             </a:fld>
             <a:endParaRPr lang="zh-CN" altLang="en-US"/>
           </a:p>
@@ -3395,7 +3395,7 @@
           <a:p>
             <a:fld id="{82F288E0-7875-42C4-84C8-98DBBD3BF4D2}" type="datetimeFigureOut">
               <a:rPr lang="zh-CN" altLang="en-US" smtClean="0"/>
-              <a:t>2018/8/7</a:t>
+              <a:t>2018/8/8</a:t>
             </a:fld>
             <a:endParaRPr lang="zh-CN" altLang="en-US"/>
           </a:p>
